--- a/게임스토리기획서_엄동연_2015180023.pptx
+++ b/게임스토리기획서_엄동연_2015180023.pptx
@@ -106,7 +106,16 @@
       </a:defRPr>
     </a:lvl9pPr>
   </p:defaultTextStyle>
+  <p:extLst>
+    <p:ext uri="{EFAFB233-063F-42B5-8137-9DF3F51BA10A}">
+      <p15:sldGuideLst xmlns:p15="http://schemas.microsoft.com/office/powerpoint/2012/main"/>
+    </p:ext>
+  </p:extLst>
 </p:presentation>
+</file>
+
+<file path=ppt/revisionInfo.xml><?xml version="1.0" encoding="utf-8"?>
+<p1510:revInfo xmlns:a="http://schemas.openxmlformats.org/drawingml/2006/main" xmlns:r="http://schemas.openxmlformats.org/officeDocument/2006/relationships" xmlns:p1510="http://schemas.microsoft.com/office/powerpoint/2015/10/main"/>
 </file>
 
 <file path=ppt/diagrams/colors1.xml><?xml version="1.0" encoding="utf-8"?>
@@ -880,11 +889,19 @@
         <a:p>
           <a:pPr latinLnBrk="1"/>
           <a:r>
-            <a:rPr lang="en-US" altLang="ko-KR" dirty="0"/>
+            <a:rPr lang="en-US" altLang="ko-KR" dirty="0">
+              <a:latin typeface="함초롬바탕" panose="02030604000101010101" pitchFamily="18" charset="-127"/>
+              <a:ea typeface="함초롬바탕" panose="02030604000101010101" pitchFamily="18" charset="-127"/>
+              <a:cs typeface="함초롬바탕" panose="02030604000101010101" pitchFamily="18" charset="-127"/>
+            </a:rPr>
             <a:t>3</a:t>
           </a:r>
           <a:r>
-            <a:rPr lang="ko-KR" altLang="en-US" dirty="0"/>
+            <a:rPr lang="ko-KR" altLang="en-US" dirty="0">
+              <a:latin typeface="함초롬바탕" panose="02030604000101010101" pitchFamily="18" charset="-127"/>
+              <a:ea typeface="함초롬바탕" panose="02030604000101010101" pitchFamily="18" charset="-127"/>
+              <a:cs typeface="함초롬바탕" panose="02030604000101010101" pitchFamily="18" charset="-127"/>
+            </a:rPr>
             <a:t>의 지구</a:t>
           </a:r>
         </a:p>
@@ -923,7 +940,11 @@
         <a:p>
           <a:pPr latinLnBrk="1"/>
           <a:r>
-            <a:rPr lang="ko-KR" altLang="en-US" dirty="0"/>
+            <a:rPr lang="ko-KR" altLang="en-US" dirty="0">
+              <a:latin typeface="함초롬바탕" panose="02030604000101010101" pitchFamily="18" charset="-127"/>
+              <a:ea typeface="함초롬바탕" panose="02030604000101010101" pitchFamily="18" charset="-127"/>
+              <a:cs typeface="함초롬바탕" panose="02030604000101010101" pitchFamily="18" charset="-127"/>
+            </a:rPr>
             <a:t>외계인과 인공지능 로봇 과 인간이 함께 공존하는 세계</a:t>
           </a:r>
         </a:p>
@@ -962,7 +983,11 @@
         <a:p>
           <a:pPr latinLnBrk="1"/>
           <a:r>
-            <a:rPr lang="ko-KR" altLang="en-US" dirty="0"/>
+            <a:rPr lang="ko-KR" altLang="en-US" dirty="0">
+              <a:latin typeface="함초롬바탕" panose="02030604000101010101" pitchFamily="18" charset="-127"/>
+              <a:ea typeface="함초롬바탕" panose="02030604000101010101" pitchFamily="18" charset="-127"/>
+              <a:cs typeface="함초롬바탕" panose="02030604000101010101" pitchFamily="18" charset="-127"/>
+            </a:rPr>
             <a:t>자기의 종족을 번영 시키려고 함</a:t>
           </a:r>
         </a:p>
@@ -1000,7 +1025,14 @@
         <a:lstStyle/>
         <a:p>
           <a:pPr latinLnBrk="1"/>
-          <a:endParaRPr lang="ko-KR" altLang="en-US" dirty="0"/>
+          <a:r>
+            <a:rPr lang="ko-KR" altLang="en-US" dirty="0">
+              <a:latin typeface="함초롬바탕" panose="02030604000101010101" pitchFamily="18" charset="-127"/>
+              <a:ea typeface="함초롬바탕" panose="02030604000101010101" pitchFamily="18" charset="-127"/>
+              <a:cs typeface="함초롬바탕" panose="02030604000101010101" pitchFamily="18" charset="-127"/>
+            </a:rPr>
+            <a:t>플레이어는 종족을 고르고 대결을 함</a:t>
+          </a:r>
         </a:p>
       </dgm:t>
     </dgm:pt>
@@ -1036,7 +1068,14 @@
         <a:lstStyle/>
         <a:p>
           <a:pPr latinLnBrk="1"/>
-          <a:endParaRPr lang="ko-KR" altLang="en-US" dirty="0"/>
+          <a:r>
+            <a:rPr lang="ko-KR" altLang="en-US" dirty="0">
+              <a:latin typeface="함초롬바탕" panose="02030604000101010101" pitchFamily="18" charset="-127"/>
+              <a:ea typeface="함초롬바탕" panose="02030604000101010101" pitchFamily="18" charset="-127"/>
+              <a:cs typeface="함초롬바탕" panose="02030604000101010101" pitchFamily="18" charset="-127"/>
+            </a:rPr>
+            <a:t>대결은 먼저 도착지 까지 가는 것 </a:t>
+          </a:r>
         </a:p>
       </dgm:t>
     </dgm:pt>
@@ -1257,7 +1296,11 @@
             <a:buNone/>
           </a:pPr>
           <a:r>
-            <a:rPr lang="ko-KR" altLang="en-US" sz="2700" kern="1200" dirty="0"/>
+            <a:rPr lang="ko-KR" altLang="en-US" sz="2700" kern="1200" dirty="0">
+              <a:latin typeface="함초롬바탕" panose="02030604000101010101" pitchFamily="18" charset="-127"/>
+              <a:ea typeface="함초롬바탕" panose="02030604000101010101" pitchFamily="18" charset="-127"/>
+              <a:cs typeface="함초롬바탕" panose="02030604000101010101" pitchFamily="18" charset="-127"/>
+            </a:rPr>
             <a:t>외계인과 인공지능 로봇 과 인간이 함께 공존하는 세계</a:t>
           </a:r>
         </a:p>
@@ -1334,7 +1377,11 @@
             <a:buNone/>
           </a:pPr>
           <a:r>
-            <a:rPr lang="ko-KR" altLang="en-US" sz="2700" kern="1200" dirty="0"/>
+            <a:rPr lang="ko-KR" altLang="en-US" sz="2700" kern="1200" dirty="0">
+              <a:latin typeface="함초롬바탕" panose="02030604000101010101" pitchFamily="18" charset="-127"/>
+              <a:ea typeface="함초롬바탕" panose="02030604000101010101" pitchFamily="18" charset="-127"/>
+              <a:cs typeface="함초롬바탕" panose="02030604000101010101" pitchFamily="18" charset="-127"/>
+            </a:rPr>
             <a:t>자기의 종족을 번영 시키려고 함</a:t>
           </a:r>
         </a:p>
@@ -1410,7 +1457,14 @@
             </a:spcAft>
             <a:buNone/>
           </a:pPr>
-          <a:endParaRPr lang="ko-KR" altLang="en-US" sz="2700" kern="1200" dirty="0"/>
+          <a:r>
+            <a:rPr lang="ko-KR" altLang="en-US" sz="2700" kern="1200" dirty="0">
+              <a:latin typeface="함초롬바탕" panose="02030604000101010101" pitchFamily="18" charset="-127"/>
+              <a:ea typeface="함초롬바탕" panose="02030604000101010101" pitchFamily="18" charset="-127"/>
+              <a:cs typeface="함초롬바탕" panose="02030604000101010101" pitchFamily="18" charset="-127"/>
+            </a:rPr>
+            <a:t>플레이어는 종족을 고르고 대결을 함</a:t>
+          </a:r>
         </a:p>
       </dsp:txBody>
       <dsp:txXfrm rot="10800000">
@@ -1484,7 +1538,14 @@
             </a:spcAft>
             <a:buNone/>
           </a:pPr>
-          <a:endParaRPr lang="ko-KR" altLang="en-US" sz="2700" kern="1200" dirty="0"/>
+          <a:r>
+            <a:rPr lang="ko-KR" altLang="en-US" sz="2700" kern="1200" dirty="0">
+              <a:latin typeface="함초롬바탕" panose="02030604000101010101" pitchFamily="18" charset="-127"/>
+              <a:ea typeface="함초롬바탕" panose="02030604000101010101" pitchFamily="18" charset="-127"/>
+              <a:cs typeface="함초롬바탕" panose="02030604000101010101" pitchFamily="18" charset="-127"/>
+            </a:rPr>
+            <a:t>대결은 먼저 도착지 까지 가는 것 </a:t>
+          </a:r>
         </a:p>
       </dsp:txBody>
       <dsp:txXfrm rot="-5400000">
@@ -1558,11 +1619,19 @@
             <a:buNone/>
           </a:pPr>
           <a:r>
-            <a:rPr lang="en-US" altLang="ko-KR" sz="2700" kern="1200" dirty="0"/>
+            <a:rPr lang="en-US" altLang="ko-KR" sz="2700" kern="1200" dirty="0">
+              <a:latin typeface="함초롬바탕" panose="02030604000101010101" pitchFamily="18" charset="-127"/>
+              <a:ea typeface="함초롬바탕" panose="02030604000101010101" pitchFamily="18" charset="-127"/>
+              <a:cs typeface="함초롬바탕" panose="02030604000101010101" pitchFamily="18" charset="-127"/>
+            </a:rPr>
             <a:t>3</a:t>
           </a:r>
           <a:r>
-            <a:rPr lang="ko-KR" altLang="en-US" sz="2700" kern="1200" dirty="0"/>
+            <a:rPr lang="ko-KR" altLang="en-US" sz="2700" kern="1200" dirty="0">
+              <a:latin typeface="함초롬바탕" panose="02030604000101010101" pitchFamily="18" charset="-127"/>
+              <a:ea typeface="함초롬바탕" panose="02030604000101010101" pitchFamily="18" charset="-127"/>
+              <a:cs typeface="함초롬바탕" panose="02030604000101010101" pitchFamily="18" charset="-127"/>
+            </a:rPr>
             <a:t>의 지구</a:t>
           </a:r>
         </a:p>
@@ -6352,7 +6421,7 @@
           <p:nvPr>
             <p:extLst>
               <p:ext uri="{D42A27DB-BD31-4B8C-83A1-F6EECF244321}">
-                <p14:modId xmlns:p14="http://schemas.microsoft.com/office/powerpoint/2010/main" val="4168297684"/>
+                <p14:modId xmlns:p14="http://schemas.microsoft.com/office/powerpoint/2010/main" val="785129110"/>
               </p:ext>
             </p:extLst>
           </p:nvPr>
@@ -6578,19 +6647,249 @@
           <a:p>
             <a:pPr algn="ctr"/>
             <a:r>
-              <a:rPr lang="ko-KR" altLang="en-US"/>
+              <a:rPr lang="ko-KR" altLang="en-US" dirty="0">
+                <a:latin typeface="함초롬바탕" panose="02030604000101010101" pitchFamily="18" charset="-127"/>
+                <a:ea typeface="함초롬바탕" panose="02030604000101010101" pitchFamily="18" charset="-127"/>
+                <a:cs typeface="함초롬바탕" panose="02030604000101010101" pitchFamily="18" charset="-127"/>
+              </a:rPr>
               <a:t>도착지</a:t>
             </a:r>
-            <a:endParaRPr lang="ko-KR" altLang="en-US" dirty="0"/>
-          </a:p>
-        </p:txBody>
-      </p:sp>
-      <p:sp>
-        <p:nvSpPr>
-          <p:cNvPr id="17" name="TextBox 16">
+          </a:p>
+        </p:txBody>
+      </p:sp>
+      <p:sp>
+        <p:nvSpPr>
+          <p:cNvPr id="2" name="폭발: 8pt 1">
             <a:extLst>
               <a:ext uri="{FF2B5EF4-FFF2-40B4-BE49-F238E27FC236}">
-                <a16:creationId xmlns:a16="http://schemas.microsoft.com/office/drawing/2014/main" id="{1C69457B-20D7-440C-81CF-9386D7C1A2E7}"/>
+                <a16:creationId xmlns:a16="http://schemas.microsoft.com/office/drawing/2014/main" id="{F32C229C-ABCC-4580-8AE9-C2E3A6057BBA}"/>
+              </a:ext>
+            </a:extLst>
+          </p:cNvPr>
+          <p:cNvSpPr/>
+          <p:nvPr/>
+        </p:nvSpPr>
+        <p:spPr>
+          <a:xfrm>
+            <a:off x="4899171" y="2483141"/>
+            <a:ext cx="687897" cy="654342"/>
+          </a:xfrm>
+          <a:prstGeom prst="irregularSeal1">
+            <a:avLst/>
+          </a:prstGeom>
+        </p:spPr>
+        <p:style>
+          <a:lnRef idx="3">
+            <a:schemeClr val="lt1"/>
+          </a:lnRef>
+          <a:fillRef idx="1">
+            <a:schemeClr val="accent2"/>
+          </a:fillRef>
+          <a:effectRef idx="1">
+            <a:schemeClr val="accent2"/>
+          </a:effectRef>
+          <a:fontRef idx="minor">
+            <a:schemeClr val="lt1"/>
+          </a:fontRef>
+        </p:style>
+        <p:txBody>
+          <a:bodyPr rtlCol="0" anchor="ctr"/>
+          <a:lstStyle/>
+          <a:p>
+            <a:pPr algn="ctr"/>
+            <a:endParaRPr lang="ko-KR" altLang="en-US"/>
+          </a:p>
+        </p:txBody>
+      </p:sp>
+      <p:sp>
+        <p:nvSpPr>
+          <p:cNvPr id="3" name="폭발: 8pt 2">
+            <a:extLst>
+              <a:ext uri="{FF2B5EF4-FFF2-40B4-BE49-F238E27FC236}">
+                <a16:creationId xmlns:a16="http://schemas.microsoft.com/office/drawing/2014/main" id="{8E835462-4081-473C-BFA5-EFFA19CC73B4}"/>
+              </a:ext>
+            </a:extLst>
+          </p:cNvPr>
+          <p:cNvSpPr/>
+          <p:nvPr/>
+        </p:nvSpPr>
+        <p:spPr>
+          <a:xfrm>
+            <a:off x="6224631" y="3598877"/>
+            <a:ext cx="897622" cy="1006679"/>
+          </a:xfrm>
+          <a:prstGeom prst="irregularSeal1">
+            <a:avLst/>
+          </a:prstGeom>
+        </p:spPr>
+        <p:style>
+          <a:lnRef idx="3">
+            <a:schemeClr val="lt1"/>
+          </a:lnRef>
+          <a:fillRef idx="1">
+            <a:schemeClr val="accent2"/>
+          </a:fillRef>
+          <a:effectRef idx="1">
+            <a:schemeClr val="accent2"/>
+          </a:effectRef>
+          <a:fontRef idx="minor">
+            <a:schemeClr val="lt1"/>
+          </a:fontRef>
+        </p:style>
+        <p:txBody>
+          <a:bodyPr rtlCol="0" anchor="ctr"/>
+          <a:lstStyle/>
+          <a:p>
+            <a:pPr algn="ctr"/>
+            <a:endParaRPr lang="ko-KR" altLang="en-US"/>
+          </a:p>
+        </p:txBody>
+      </p:sp>
+      <p:sp>
+        <p:nvSpPr>
+          <p:cNvPr id="6" name="이등변 삼각형 5">
+            <a:extLst>
+              <a:ext uri="{FF2B5EF4-FFF2-40B4-BE49-F238E27FC236}">
+                <a16:creationId xmlns:a16="http://schemas.microsoft.com/office/drawing/2014/main" id="{AA40BE33-D04F-4B63-B351-90FB9AD82CFB}"/>
+              </a:ext>
+            </a:extLst>
+          </p:cNvPr>
+          <p:cNvSpPr/>
+          <p:nvPr/>
+        </p:nvSpPr>
+        <p:spPr>
+          <a:xfrm>
+            <a:off x="4985156" y="3967993"/>
+            <a:ext cx="601912" cy="746620"/>
+          </a:xfrm>
+          <a:prstGeom prst="triangle">
+            <a:avLst/>
+          </a:prstGeom>
+        </p:spPr>
+        <p:style>
+          <a:lnRef idx="3">
+            <a:schemeClr val="lt1"/>
+          </a:lnRef>
+          <a:fillRef idx="1">
+            <a:schemeClr val="accent2"/>
+          </a:fillRef>
+          <a:effectRef idx="1">
+            <a:schemeClr val="accent2"/>
+          </a:effectRef>
+          <a:fontRef idx="minor">
+            <a:schemeClr val="lt1"/>
+          </a:fontRef>
+        </p:style>
+        <p:txBody>
+          <a:bodyPr rtlCol="0" anchor="ctr"/>
+          <a:lstStyle/>
+          <a:p>
+            <a:pPr algn="ctr"/>
+            <a:endParaRPr lang="ko-KR" altLang="en-US"/>
+          </a:p>
+        </p:txBody>
+      </p:sp>
+      <p:sp>
+        <p:nvSpPr>
+          <p:cNvPr id="7" name="사각형: 둥근 모서리 6">
+            <a:extLst>
+              <a:ext uri="{FF2B5EF4-FFF2-40B4-BE49-F238E27FC236}">
+                <a16:creationId xmlns:a16="http://schemas.microsoft.com/office/drawing/2014/main" id="{01D53A1D-EE19-4C0E-BCFA-F581C5CB6368}"/>
+              </a:ext>
+            </a:extLst>
+          </p:cNvPr>
+          <p:cNvSpPr/>
+          <p:nvPr/>
+        </p:nvSpPr>
+        <p:spPr>
+          <a:xfrm>
+            <a:off x="4504888" y="2332139"/>
+            <a:ext cx="2919369" cy="2692867"/>
+          </a:xfrm>
+          <a:prstGeom prst="roundRect">
+            <a:avLst/>
+          </a:prstGeom>
+          <a:noFill/>
+          <a:ln w="9525" cap="flat" cmpd="sng" algn="ctr">
+            <a:solidFill>
+              <a:schemeClr val="accent2"/>
+            </a:solidFill>
+            <a:prstDash val="solid"/>
+            <a:round/>
+            <a:headEnd type="none" w="med" len="med"/>
+            <a:tailEnd type="none" w="med" len="med"/>
+          </a:ln>
+        </p:spPr>
+        <p:style>
+          <a:lnRef idx="0">
+            <a:scrgbClr r="0" g="0" b="0"/>
+          </a:lnRef>
+          <a:fillRef idx="0">
+            <a:scrgbClr r="0" g="0" b="0"/>
+          </a:fillRef>
+          <a:effectRef idx="0">
+            <a:scrgbClr r="0" g="0" b="0"/>
+          </a:effectRef>
+          <a:fontRef idx="minor">
+            <a:schemeClr val="accent2"/>
+          </a:fontRef>
+        </p:style>
+        <p:txBody>
+          <a:bodyPr rtlCol="0" anchor="ctr"/>
+          <a:lstStyle/>
+          <a:p>
+            <a:pPr algn="ctr"/>
+            <a:endParaRPr lang="ko-KR" altLang="en-US"/>
+          </a:p>
+        </p:txBody>
+      </p:sp>
+      <p:cxnSp>
+        <p:nvCxnSpPr>
+          <p:cNvPr id="9" name="직선 화살표 연결선 8">
+            <a:extLst>
+              <a:ext uri="{FF2B5EF4-FFF2-40B4-BE49-F238E27FC236}">
+                <a16:creationId xmlns:a16="http://schemas.microsoft.com/office/drawing/2014/main" id="{E3CB873D-6996-40A6-B756-E6F5FF8C8130}"/>
+              </a:ext>
+            </a:extLst>
+          </p:cNvPr>
+          <p:cNvCxnSpPr>
+            <a:stCxn id="7" idx="1"/>
+          </p:cNvCxnSpPr>
+          <p:nvPr/>
+        </p:nvCxnSpPr>
+        <p:spPr>
+          <a:xfrm flipH="1" flipV="1">
+            <a:off x="3154261" y="3665989"/>
+            <a:ext cx="1350627" cy="12584"/>
+          </a:xfrm>
+          <a:prstGeom prst="straightConnector1">
+            <a:avLst/>
+          </a:prstGeom>
+          <a:ln>
+            <a:tailEnd type="triangle"/>
+          </a:ln>
+        </p:spPr>
+        <p:style>
+          <a:lnRef idx="1">
+            <a:schemeClr val="accent2"/>
+          </a:lnRef>
+          <a:fillRef idx="0">
+            <a:schemeClr val="accent2"/>
+          </a:fillRef>
+          <a:effectRef idx="0">
+            <a:schemeClr val="accent2"/>
+          </a:effectRef>
+          <a:fontRef idx="minor">
+            <a:schemeClr val="tx1"/>
+          </a:fontRef>
+        </p:style>
+      </p:cxnSp>
+      <p:sp>
+        <p:nvSpPr>
+          <p:cNvPr id="10" name="TextBox 9">
+            <a:extLst>
+              <a:ext uri="{FF2B5EF4-FFF2-40B4-BE49-F238E27FC236}">
+                <a16:creationId xmlns:a16="http://schemas.microsoft.com/office/drawing/2014/main" id="{0818C26E-FF18-4762-936F-813158B987D9}"/>
               </a:ext>
             </a:extLst>
           </p:cNvPr>
@@ -6599,8 +6898,8 @@
         </p:nvSpPr>
         <p:spPr>
           <a:xfrm>
-            <a:off x="313758" y="5104511"/>
-            <a:ext cx="4372479" cy="646331"/>
+            <a:off x="2396898" y="3493906"/>
+            <a:ext cx="877163" cy="369332"/>
           </a:xfrm>
           <a:prstGeom prst="rect">
             <a:avLst/>
@@ -6614,48 +6913,223 @@
           <a:lstStyle/>
           <a:p>
             <a:r>
-              <a:rPr lang="ko-KR" altLang="en-US" dirty="0"/>
-              <a:t>아직 완성하지 못했습니다</a:t>
-            </a:r>
-            <a:r>
-              <a:rPr lang="en-US" altLang="ko-KR" dirty="0"/>
-              <a:t>..</a:t>
-            </a:r>
-            <a:r>
-              <a:rPr lang="ko-KR" altLang="en-US" dirty="0" err="1"/>
-              <a:t>ㅠㅠ</a:t>
-            </a:r>
-            <a:endParaRPr lang="en-US" altLang="ko-KR" dirty="0"/>
-          </a:p>
-          <a:p>
-            <a:r>
-              <a:rPr lang="ko-KR" altLang="en-US" dirty="0"/>
-              <a:t>오늘내</a:t>
-            </a:r>
-            <a:r>
-              <a:rPr lang="en-US" altLang="ko-KR" dirty="0"/>
-              <a:t>(13</a:t>
-            </a:r>
-            <a:r>
-              <a:rPr lang="ko-KR" altLang="en-US" dirty="0"/>
-              <a:t>일</a:t>
-            </a:r>
-            <a:r>
-              <a:rPr lang="en-US" altLang="ko-KR"/>
-              <a:t>)</a:t>
-            </a:r>
-            <a:r>
-              <a:rPr lang="ko-KR" altLang="en-US"/>
-              <a:t>로 </a:t>
-            </a:r>
-            <a:r>
-              <a:rPr lang="ko-KR" altLang="en-US" dirty="0"/>
-              <a:t>수정해서 완성하겠습니다</a:t>
-            </a:r>
-            <a:r>
-              <a:rPr lang="en-US" altLang="ko-KR" dirty="0"/>
-              <a:t>.</a:t>
-            </a:r>
+              <a:rPr lang="ko-KR" altLang="en-US" dirty="0">
+                <a:highlight>
+                  <a:srgbClr val="FFFF00"/>
+                </a:highlight>
+                <a:latin typeface="함초롬바탕" panose="02030604000101010101" pitchFamily="18" charset="-127"/>
+                <a:ea typeface="함초롬바탕" panose="02030604000101010101" pitchFamily="18" charset="-127"/>
+                <a:cs typeface="함초롬바탕" panose="02030604000101010101" pitchFamily="18" charset="-127"/>
+              </a:rPr>
+              <a:t>장애물</a:t>
+            </a:r>
+          </a:p>
+        </p:txBody>
+      </p:sp>
+      <p:sp>
+        <p:nvSpPr>
+          <p:cNvPr id="13" name="사각형: 둥근 모서리 12">
+            <a:extLst>
+              <a:ext uri="{FF2B5EF4-FFF2-40B4-BE49-F238E27FC236}">
+                <a16:creationId xmlns:a16="http://schemas.microsoft.com/office/drawing/2014/main" id="{29BDFAD3-8C58-4D7C-91B1-82CC55F4DFED}"/>
+              </a:ext>
+            </a:extLst>
+          </p:cNvPr>
+          <p:cNvSpPr/>
+          <p:nvPr/>
+        </p:nvSpPr>
+        <p:spPr>
+          <a:xfrm>
+            <a:off x="4714613" y="1199626"/>
+            <a:ext cx="2575420" cy="687897"/>
+          </a:xfrm>
+          <a:prstGeom prst="roundRect">
+            <a:avLst/>
+          </a:prstGeom>
+          <a:noFill/>
+          <a:ln w="9525" cap="flat" cmpd="sng" algn="ctr">
+            <a:solidFill>
+              <a:schemeClr val="accent6"/>
+            </a:solidFill>
+            <a:prstDash val="solid"/>
+            <a:round/>
+            <a:headEnd type="none" w="med" len="med"/>
+            <a:tailEnd type="none" w="med" len="med"/>
+          </a:ln>
+        </p:spPr>
+        <p:style>
+          <a:lnRef idx="0">
+            <a:scrgbClr r="0" g="0" b="0"/>
+          </a:lnRef>
+          <a:fillRef idx="0">
+            <a:scrgbClr r="0" g="0" b="0"/>
+          </a:fillRef>
+          <a:effectRef idx="0">
+            <a:scrgbClr r="0" g="0" b="0"/>
+          </a:effectRef>
+          <a:fontRef idx="minor">
+            <a:schemeClr val="accent6"/>
+          </a:fontRef>
+        </p:style>
+        <p:txBody>
+          <a:bodyPr rtlCol="0" anchor="ctr"/>
+          <a:lstStyle/>
+          <a:p>
+            <a:pPr algn="ctr"/>
+            <a:endParaRPr lang="ko-KR" altLang="en-US"/>
+          </a:p>
+        </p:txBody>
+      </p:sp>
+      <p:cxnSp>
+        <p:nvCxnSpPr>
+          <p:cNvPr id="16" name="직선 화살표 연결선 15">
+            <a:extLst>
+              <a:ext uri="{FF2B5EF4-FFF2-40B4-BE49-F238E27FC236}">
+                <a16:creationId xmlns:a16="http://schemas.microsoft.com/office/drawing/2014/main" id="{417BABCB-F933-4D2C-A56F-2768E32C3525}"/>
+              </a:ext>
+            </a:extLst>
+          </p:cNvPr>
+          <p:cNvCxnSpPr/>
+          <p:nvPr/>
+        </p:nvCxnSpPr>
+        <p:spPr>
+          <a:xfrm flipH="1">
+            <a:off x="3422708" y="1543574"/>
+            <a:ext cx="1291905" cy="0"/>
+          </a:xfrm>
+          <a:prstGeom prst="straightConnector1">
+            <a:avLst/>
+          </a:prstGeom>
+          <a:ln>
+            <a:tailEnd type="triangle"/>
+          </a:ln>
+        </p:spPr>
+        <p:style>
+          <a:lnRef idx="1">
+            <a:schemeClr val="accent6"/>
+          </a:lnRef>
+          <a:fillRef idx="0">
+            <a:schemeClr val="accent6"/>
+          </a:fillRef>
+          <a:effectRef idx="0">
+            <a:schemeClr val="accent6"/>
+          </a:effectRef>
+          <a:fontRef idx="minor">
+            <a:schemeClr val="tx1"/>
+          </a:fontRef>
+        </p:style>
+      </p:cxnSp>
+      <p:sp>
+        <p:nvSpPr>
+          <p:cNvPr id="18" name="TextBox 17">
+            <a:extLst>
+              <a:ext uri="{FF2B5EF4-FFF2-40B4-BE49-F238E27FC236}">
+                <a16:creationId xmlns:a16="http://schemas.microsoft.com/office/drawing/2014/main" id="{E670B0F3-DC02-48D4-A59C-FA656B2D3303}"/>
+              </a:ext>
+            </a:extLst>
+          </p:cNvPr>
+          <p:cNvSpPr txBox="1"/>
+          <p:nvPr/>
+        </p:nvSpPr>
+        <p:spPr>
+          <a:xfrm>
+            <a:off x="2391330" y="1358908"/>
+            <a:ext cx="1107996" cy="369332"/>
+          </a:xfrm>
+          <a:prstGeom prst="rect">
+            <a:avLst/>
+          </a:prstGeom>
+          <a:noFill/>
+        </p:spPr>
+        <p:txBody>
+          <a:bodyPr wrap="none" rtlCol="0">
+            <a:spAutoFit/>
+          </a:bodyPr>
+          <a:lstStyle/>
+          <a:p>
+            <a:r>
+              <a:rPr lang="ko-KR" altLang="en-US" dirty="0">
+                <a:latin typeface="함초롬바탕" panose="02030604000101010101" pitchFamily="18" charset="-127"/>
+                <a:ea typeface="함초롬바탕" panose="02030604000101010101" pitchFamily="18" charset="-127"/>
+                <a:cs typeface="함초롬바탕" panose="02030604000101010101" pitchFamily="18" charset="-127"/>
+              </a:rPr>
+              <a:t>플레이어</a:t>
+            </a:r>
+          </a:p>
+        </p:txBody>
+      </p:sp>
+      <p:sp>
+        <p:nvSpPr>
+          <p:cNvPr id="22" name="TextBox 21">
+            <a:extLst>
+              <a:ext uri="{FF2B5EF4-FFF2-40B4-BE49-F238E27FC236}">
+                <a16:creationId xmlns:a16="http://schemas.microsoft.com/office/drawing/2014/main" id="{2D0E1674-9A0F-4421-93E0-BC398BB051BF}"/>
+              </a:ext>
+            </a:extLst>
+          </p:cNvPr>
+          <p:cNvSpPr txBox="1"/>
+          <p:nvPr/>
+        </p:nvSpPr>
+        <p:spPr>
+          <a:xfrm>
+            <a:off x="7986319" y="1836810"/>
+            <a:ext cx="3419526" cy="646331"/>
+          </a:xfrm>
+          <a:prstGeom prst="rect">
+            <a:avLst/>
+          </a:prstGeom>
+          <a:noFill/>
+        </p:spPr>
+        <p:txBody>
+          <a:bodyPr wrap="none" rtlCol="0">
+            <a:spAutoFit/>
+          </a:bodyPr>
+          <a:lstStyle/>
+          <a:p>
+            <a:r>
+              <a:rPr lang="en-US" altLang="ko-KR" dirty="0">
+                <a:latin typeface="함초롬바탕" panose="02030604000101010101" pitchFamily="18" charset="-127"/>
+                <a:ea typeface="함초롬바탕" panose="02030604000101010101" pitchFamily="18" charset="-127"/>
+                <a:cs typeface="함초롬바탕" panose="02030604000101010101" pitchFamily="18" charset="-127"/>
+              </a:rPr>
+              <a:t>“</a:t>
+            </a:r>
+            <a:r>
+              <a:rPr lang="ko-KR" altLang="en-US" dirty="0">
+                <a:latin typeface="함초롬바탕" panose="02030604000101010101" pitchFamily="18" charset="-127"/>
+                <a:ea typeface="함초롬바탕" panose="02030604000101010101" pitchFamily="18" charset="-127"/>
+                <a:cs typeface="함초롬바탕" panose="02030604000101010101" pitchFamily="18" charset="-127"/>
+              </a:rPr>
+              <a:t>장애물들을 피해 도착지까지 </a:t>
+            </a:r>
+            <a:endParaRPr lang="en-US" altLang="ko-KR" dirty="0">
+              <a:latin typeface="함초롬바탕" panose="02030604000101010101" pitchFamily="18" charset="-127"/>
+              <a:ea typeface="함초롬바탕" panose="02030604000101010101" pitchFamily="18" charset="-127"/>
+              <a:cs typeface="함초롬바탕" panose="02030604000101010101" pitchFamily="18" charset="-127"/>
+            </a:endParaRPr>
+          </a:p>
+          <a:p>
+            <a:r>
+              <a:rPr lang="ko-KR" altLang="en-US" dirty="0">
+                <a:latin typeface="함초롬바탕" panose="02030604000101010101" pitchFamily="18" charset="-127"/>
+                <a:ea typeface="함초롬바탕" panose="02030604000101010101" pitchFamily="18" charset="-127"/>
+                <a:cs typeface="함초롬바탕" panose="02030604000101010101" pitchFamily="18" charset="-127"/>
+              </a:rPr>
+              <a:t>먼저 도착하는 플레이어가 승리</a:t>
+            </a:r>
+            <a:r>
+              <a:rPr lang="en-US" altLang="ko-KR" dirty="0">
+                <a:latin typeface="함초롬바탕" panose="02030604000101010101" pitchFamily="18" charset="-127"/>
+                <a:ea typeface="함초롬바탕" panose="02030604000101010101" pitchFamily="18" charset="-127"/>
+                <a:cs typeface="함초롬바탕" panose="02030604000101010101" pitchFamily="18" charset="-127"/>
+              </a:rPr>
+              <a:t>”</a:t>
+            </a:r>
+            <a:endParaRPr lang="ko-KR" altLang="en-US" dirty="0">
+              <a:latin typeface="함초롬바탕" panose="02030604000101010101" pitchFamily="18" charset="-127"/>
+              <a:ea typeface="함초롬바탕" panose="02030604000101010101" pitchFamily="18" charset="-127"/>
+              <a:cs typeface="함초롬바탕" panose="02030604000101010101" pitchFamily="18" charset="-127"/>
+            </a:endParaRPr>
           </a:p>
         </p:txBody>
       </p:sp>
